--- a/Algorithm/_____保研岛____Python蓝桥杯/蓝桥杯Python冲刺课_课时9 图论/Python 课时9.pptx
+++ b/Algorithm/_____保研岛____Python蓝桥杯/蓝桥杯Python冲刺课_课时9 图论/Python 课时9.pptx
@@ -367,7 +367,7 @@
           <a:p>
             <a:fld id="{B7268E1E-0E44-426D-905E-8AD9B19D2182}" type="datetimeFigureOut">
               <a:rPr lang="cs-CZ" smtClean="0"/>
-              <a:t>15.03.2025</a:t>
+              <a:t>16.03.2025</a:t>
             </a:fld>
             <a:endParaRPr lang="cs-CZ"/>
           </a:p>
